--- a/spring12/slidesS12/predicate-logic2.pptx
+++ b/spring12/slidesS12/predicate-logic2.pptx
@@ -2662,11 +2662,7 @@
             </a:pPr>
             <a:r>
               <a:rPr lang="en-US" sz="6000" b="0" dirty="0" smtClean="0"/>
-              <a:t>Predicate Logic, </a:t>
-            </a:r>
-            <a:r>
-              <a:rPr lang="en-US" sz="6000" b="0" dirty="0" smtClean="0"/>
-              <a:t>II</a:t>
+              <a:t>Predicate Logic, II</a:t>
             </a:r>
             <a:endParaRPr lang="en-US" sz="6000" dirty="0">
               <a:solidFill>
@@ -3026,7 +3022,7 @@
           <a:graphicData uri="http://schemas.openxmlformats.org/presentationml/2006/ole">
             <mc:AlternateContent xmlns:mc="http://schemas.openxmlformats.org/markup-compatibility/2006">
               <mc:Choice xmlns:v="urn:schemas-microsoft-com:vml" Requires="v">
-                <p:oleObj spid="_x0000_s1027" name="Equation" r:id="rId4" imgW="914400" imgH="198720" progId="Equation.DSMT4">
+                <p:oleObj spid="_x0000_s1032" name="Equation" r:id="rId4" imgW="914400" imgH="198720" progId="Equation.DSMT4">
                   <p:embed/>
                 </p:oleObj>
               </mc:Choice>
@@ -3102,7 +3098,7 @@
           <a:graphicData uri="http://schemas.openxmlformats.org/presentationml/2006/ole">
             <mc:AlternateContent xmlns:mc="http://schemas.openxmlformats.org/markup-compatibility/2006">
               <mc:Choice xmlns:v="urn:schemas-microsoft-com:vml" Requires="v">
-                <p:oleObj spid="_x0000_s1028" name="Equation" r:id="rId6" imgW="2146300" imgH="215900" progId="Equation.3">
+                <p:oleObj spid="_x0000_s1033" name="Equation" r:id="rId6" imgW="2146300" imgH="215900" progId="Equation.3">
                   <p:embed/>
                 </p:oleObj>
               </mc:Choice>
@@ -3369,7 +3365,7 @@
           <a:graphicData uri="http://schemas.openxmlformats.org/presentationml/2006/ole">
             <mc:AlternateContent xmlns:mc="http://schemas.openxmlformats.org/markup-compatibility/2006">
               <mc:Choice xmlns:v="urn:schemas-microsoft-com:vml" Requires="v">
-                <p:oleObj spid="_x0000_s299104" name="Equation" r:id="rId4" imgW="914400" imgH="198720" progId="Equation.DSMT4">
+                <p:oleObj spid="_x0000_s299111" name="Equation" r:id="rId4" imgW="914400" imgH="198720" progId="Equation.DSMT4">
                   <p:embed/>
                 </p:oleObj>
               </mc:Choice>
@@ -3439,7 +3435,7 @@
           <a:graphicData uri="http://schemas.openxmlformats.org/presentationml/2006/ole">
             <mc:AlternateContent xmlns:mc="http://schemas.openxmlformats.org/markup-compatibility/2006">
               <mc:Choice xmlns:v="urn:schemas-microsoft-com:vml" Requires="v">
-                <p:oleObj spid="_x0000_s299105" name="Equation" r:id="rId6" imgW="914400" imgH="198720" progId="Equation.DSMT4">
+                <p:oleObj spid="_x0000_s299112" name="Equation" r:id="rId6" imgW="914400" imgH="198720" progId="Equation.DSMT4">
                   <p:embed/>
                 </p:oleObj>
               </mc:Choice>
@@ -3568,7 +3564,7 @@
           <a:graphicData uri="http://schemas.openxmlformats.org/presentationml/2006/ole">
             <mc:AlternateContent xmlns:mc="http://schemas.openxmlformats.org/markup-compatibility/2006">
               <mc:Choice xmlns:v="urn:schemas-microsoft-com:vml" Requires="v">
-                <p:oleObj spid="_x0000_s299106" name="Equation" r:id="rId8" imgW="2032000" imgH="457200" progId="Equation.DSMT4">
+                <p:oleObj spid="_x0000_s299113" name="Equation" r:id="rId8" imgW="2032000" imgH="457200" progId="Equation.DSMT4">
                   <p:embed/>
                 </p:oleObj>
               </mc:Choice>
@@ -3749,7 +3745,7 @@
           <a:graphicData uri="http://schemas.openxmlformats.org/presentationml/2006/ole">
             <mc:AlternateContent xmlns:mc="http://schemas.openxmlformats.org/markup-compatibility/2006">
               <mc:Choice xmlns:v="urn:schemas-microsoft-com:vml" Requires="v">
-                <p:oleObj spid="_x0000_s467014" name="Equation" r:id="rId4" imgW="914400" imgH="198720" progId="Equation.DSMT4">
+                <p:oleObj spid="_x0000_s467019" name="Equation" r:id="rId4" imgW="914400" imgH="198720" progId="Equation.DSMT4">
                   <p:embed/>
                 </p:oleObj>
               </mc:Choice>
@@ -4068,7 +4064,7 @@
           <a:graphicData uri="http://schemas.openxmlformats.org/presentationml/2006/ole">
             <mc:AlternateContent xmlns:mc="http://schemas.openxmlformats.org/markup-compatibility/2006">
               <mc:Choice xmlns:v="urn:schemas-microsoft-com:vml" Requires="v">
-                <p:oleObj spid="_x0000_s467015" name="Equation" r:id="rId6" imgW="2032000" imgH="457200" progId="Equation.DSMT4">
+                <p:oleObj spid="_x0000_s467020" name="Equation" r:id="rId6" imgW="2032000" imgH="457200" progId="Equation.DSMT4">
                   <p:embed/>
                 </p:oleObj>
               </mc:Choice>
@@ -4516,8 +4512,8 @@
         </p:nvSpPr>
         <p:spPr bwMode="auto">
           <a:xfrm>
-            <a:off x="367894" y="2122488"/>
-            <a:ext cx="8617329" cy="4139595"/>
+            <a:off x="233743" y="2122488"/>
+            <a:ext cx="8641343" cy="4078040"/>
           </a:xfrm>
           <a:prstGeom prst="rect">
             <a:avLst/>
@@ -4552,23 +4548,190 @@
               <a:t>Proof</a:t>
             </a:r>
             <a:r>
+              <a:rPr lang="en-US" sz="2800" dirty="0" smtClean="0">
+                <a:latin typeface="Comic Sans MS" pitchFamily="66" charset="0"/>
+              </a:rPr>
+              <a:t>: Assume </a:t>
+            </a:r>
+            <a:r>
+              <a:rPr lang="en-US" sz="2800" dirty="0" smtClean="0">
+                <a:latin typeface="Comic Sans MS" pitchFamily="66" charset="0"/>
+                <a:sym typeface="Symbol" pitchFamily="18" charset="2"/>
+              </a:rPr>
+              <a:t>left hand side.That is</a:t>
+            </a:r>
+            <a:r>
               <a:rPr lang="en-US" sz="2800" dirty="0">
                 <a:latin typeface="Comic Sans MS" pitchFamily="66" charset="0"/>
-              </a:rPr>
-              <a:t>:  </a:t>
+                <a:sym typeface="Symbol" pitchFamily="18" charset="2"/>
+              </a:rPr>
+              <a:t>, for </a:t>
             </a:r>
             <a:r>
               <a:rPr lang="en-US" sz="2800" dirty="0" smtClean="0">
                 <a:latin typeface="Comic Sans MS" pitchFamily="66" charset="0"/>
-              </a:rPr>
-              <a:t>So assume </a:t>
-            </a:r>
+                <a:sym typeface="Symbol" pitchFamily="18" charset="2"/>
+              </a:rPr>
+              <a:t>all</a:t>
+            </a:r>
+          </a:p>
+          <a:p>
+            <a:pPr>
+              <a:spcAft>
+                <a:spcPts val="600"/>
+              </a:spcAft>
+            </a:pPr>
             <a:r>
               <a:rPr lang="en-US" sz="2800" dirty="0" smtClean="0">
                 <a:latin typeface="Comic Sans MS" pitchFamily="66" charset="0"/>
                 <a:sym typeface="Symbol" pitchFamily="18" charset="2"/>
               </a:rPr>
-              <a:t>left hand side.That is,</a:t>
+              <a:t>values </a:t>
+            </a:r>
+            <a:r>
+              <a:rPr lang="en-US" sz="2800" dirty="0">
+                <a:latin typeface="Comic Sans MS" pitchFamily="66" charset="0"/>
+                <a:sym typeface="Symbol" pitchFamily="18" charset="2"/>
+              </a:rPr>
+              <a:t>of </a:t>
+            </a:r>
+            <a:r>
+              <a:rPr lang="en-US" sz="2800" dirty="0">
+                <a:solidFill>
+                  <a:srgbClr val="008000"/>
+                </a:solidFill>
+                <a:latin typeface="Comic Sans MS" pitchFamily="66" charset="0"/>
+                <a:sym typeface="Symbol" pitchFamily="18" charset="2"/>
+              </a:rPr>
+              <a:t>z</a:t>
+            </a:r>
+            <a:r>
+              <a:rPr lang="en-US" sz="2800" dirty="0">
+                <a:solidFill>
+                  <a:srgbClr val="0000FF"/>
+                </a:solidFill>
+                <a:latin typeface="Comic Sans MS" pitchFamily="66" charset="0"/>
+                <a:sym typeface="Symbol" pitchFamily="18" charset="2"/>
+              </a:rPr>
+              <a:t> </a:t>
+            </a:r>
+            <a:r>
+              <a:rPr lang="en-US" sz="2800" dirty="0">
+                <a:latin typeface="Comic Sans MS" pitchFamily="66" charset="0"/>
+                <a:sym typeface="Symbol" pitchFamily="18" charset="2"/>
+              </a:rPr>
+              <a:t>in the </a:t>
+            </a:r>
+            <a:r>
+              <a:rPr lang="en-US" sz="2800" dirty="0" smtClean="0">
+                <a:latin typeface="Comic Sans MS" pitchFamily="66" charset="0"/>
+                <a:sym typeface="Symbol" pitchFamily="18" charset="2"/>
+              </a:rPr>
+              <a:t>domain, </a:t>
+            </a:r>
+            <a:r>
+              <a:rPr lang="en-US" sz="2800" dirty="0" smtClean="0">
+                <a:solidFill>
+                  <a:srgbClr val="0000FF"/>
+                </a:solidFill>
+                <a:latin typeface="Comic Sans MS" pitchFamily="66" charset="0"/>
+                <a:sym typeface="Symbol" pitchFamily="18" charset="2"/>
+              </a:rPr>
+              <a:t>Q</a:t>
+            </a:r>
+            <a:r>
+              <a:rPr lang="en-US" sz="2800" dirty="0" smtClean="0">
+                <a:solidFill>
+                  <a:srgbClr val="0000FF"/>
+                </a:solidFill>
+                <a:latin typeface="Comic Sans MS" pitchFamily="66" charset="0"/>
+                <a:sym typeface="Symbol" pitchFamily="18" charset="2"/>
+              </a:rPr>
+              <a:t>(</a:t>
+            </a:r>
+            <a:r>
+              <a:rPr lang="en-US" sz="2800" dirty="0" smtClean="0">
+                <a:solidFill>
+                  <a:srgbClr val="008000"/>
+                </a:solidFill>
+                <a:latin typeface="Comic Sans MS" pitchFamily="66" charset="0"/>
+                <a:sym typeface="Symbol" pitchFamily="18" charset="2"/>
+              </a:rPr>
+              <a:t>z</a:t>
+            </a:r>
+            <a:r>
+              <a:rPr lang="en-US" sz="2800" dirty="0" smtClean="0">
+                <a:solidFill>
+                  <a:srgbClr val="0000FF"/>
+                </a:solidFill>
+                <a:latin typeface="Comic Sans MS" pitchFamily="66" charset="0"/>
+                <a:sym typeface="Symbol" pitchFamily="18" charset="2"/>
+              </a:rPr>
+              <a:t>) </a:t>
+            </a:r>
+            <a:r>
+              <a:rPr lang="en-US" b="1" dirty="0" smtClean="0">
+                <a:solidFill>
+                  <a:srgbClr val="000000"/>
+                </a:solidFill>
+                <a:latin typeface="Comic Sans MS" pitchFamily="66" charset="0"/>
+                <a:sym typeface="Euclid Symbol" pitchFamily="18" charset="2"/>
+              </a:rPr>
+              <a:t>AND</a:t>
+            </a:r>
+            <a:r>
+              <a:rPr lang="en-US" b="1" dirty="0" smtClean="0">
+                <a:solidFill>
+                  <a:srgbClr val="0000FF"/>
+                </a:solidFill>
+                <a:latin typeface="Comic Sans MS" pitchFamily="66" charset="0"/>
+                <a:sym typeface="Euclid Symbol" pitchFamily="18" charset="2"/>
+              </a:rPr>
+              <a:t> </a:t>
+            </a:r>
+            <a:r>
+              <a:rPr lang="en-US" sz="2800" dirty="0" smtClean="0">
+                <a:solidFill>
+                  <a:srgbClr val="0000FF"/>
+                </a:solidFill>
+                <a:latin typeface="Comic Sans MS" pitchFamily="66" charset="0"/>
+                <a:sym typeface="Symbol" pitchFamily="18" charset="2"/>
+              </a:rPr>
+              <a:t>P(</a:t>
+            </a:r>
+            <a:r>
+              <a:rPr lang="en-US" sz="2800" dirty="0" smtClean="0">
+                <a:solidFill>
+                  <a:srgbClr val="008000"/>
+                </a:solidFill>
+                <a:latin typeface="Comic Sans MS" pitchFamily="66" charset="0"/>
+                <a:sym typeface="Symbol" pitchFamily="18" charset="2"/>
+              </a:rPr>
+              <a:t>z</a:t>
+            </a:r>
+            <a:r>
+              <a:rPr lang="en-US" sz="2800" dirty="0" smtClean="0">
+                <a:solidFill>
+                  <a:srgbClr val="0000FF"/>
+                </a:solidFill>
+                <a:latin typeface="Comic Sans MS" pitchFamily="66" charset="0"/>
+                <a:sym typeface="Symbol" pitchFamily="18" charset="2"/>
+              </a:rPr>
+              <a:t>)</a:t>
+            </a:r>
+            <a:r>
+              <a:rPr lang="en-US" sz="2800" dirty="0">
+                <a:latin typeface="Comic Sans MS" pitchFamily="66" charset="0"/>
+                <a:sym typeface="Symbol" pitchFamily="18" charset="2"/>
+              </a:rPr>
+              <a:t> </a:t>
+            </a:r>
+            <a:r>
+              <a:rPr lang="en-US" sz="2800" dirty="0" smtClean="0">
+                <a:latin typeface="Comic Sans MS" pitchFamily="66" charset="0"/>
+                <a:sym typeface="Symbol" pitchFamily="18" charset="2"/>
+              </a:rPr>
+              <a:t>is true.</a:t>
             </a:r>
             <a:endParaRPr lang="en-US" sz="2800" dirty="0">
               <a:latin typeface="Comic Sans MS" pitchFamily="66" charset="0"/>
@@ -4582,17 +4745,28 @@
               </a:spcAft>
             </a:pPr>
             <a:r>
+              <a:rPr lang="en-US" sz="2800" dirty="0" smtClean="0">
+                <a:latin typeface="Comic Sans MS" pitchFamily="66" charset="0"/>
+                <a:sym typeface="Symbol" pitchFamily="18" charset="2"/>
+              </a:rPr>
+              <a:t>Suppose </a:t>
+            </a:r>
+            <a:r>
               <a:rPr lang="en-US" sz="2800" dirty="0" err="1" smtClean="0">
-                <a:solidFill>
-                  <a:srgbClr val="0000FF"/>
-                </a:solidFill>
-                <a:latin typeface="Comic Sans MS" pitchFamily="66" charset="0"/>
-                <a:sym typeface="Symbol" pitchFamily="18" charset="2"/>
-              </a:rPr>
-              <a:t>Q(</a:t>
-            </a:r>
-            <a:r>
-              <a:rPr lang="en-US" sz="2800" dirty="0" err="1" smtClean="0">
+                <a:latin typeface="Comic Sans MS" pitchFamily="66" charset="0"/>
+                <a:sym typeface="Symbol" pitchFamily="18" charset="2"/>
+              </a:rPr>
+              <a:t>val</a:t>
+            </a:r>
+            <a:r>
+              <a:rPr lang="en-US" sz="2800" dirty="0" smtClean="0">
+                <a:latin typeface="Comic Sans MS" pitchFamily="66" charset="0"/>
+                <a:sym typeface="Symbol" pitchFamily="18" charset="2"/>
+              </a:rPr>
+              <a:t>(</a:t>
+            </a:r>
+            <a:r>
+              <a:rPr lang="en-US" sz="2800" dirty="0" smtClean="0">
                 <a:solidFill>
                   <a:srgbClr val="008000"/>
                 </a:solidFill>
@@ -4603,135 +4777,82 @@
             </a:r>
             <a:r>
               <a:rPr lang="en-US" sz="2800" dirty="0" smtClean="0">
-                <a:solidFill>
-                  <a:srgbClr val="0000FF"/>
-                </a:solidFill>
                 <a:latin typeface="Comic Sans MS" pitchFamily="66" charset="0"/>
                 <a:sym typeface="Symbol" pitchFamily="18" charset="2"/>
               </a:rPr>
               <a:t>) </a:t>
             </a:r>
             <a:r>
-              <a:rPr lang="en-US" b="1" dirty="0" smtClean="0">
+              <a:rPr lang="en-US" sz="2800" b="1" dirty="0" smtClean="0">
+                <a:latin typeface="Euclid Symbol" charset="2"/>
+                <a:cs typeface="Euclid Symbol" charset="2"/>
+                <a:sym typeface="Symbol" pitchFamily="18" charset="2"/>
+              </a:rPr>
+              <a:t>=</a:t>
+            </a:r>
+            <a:r>
+              <a:rPr lang="en-US" sz="2800" dirty="0" smtClean="0">
+                <a:solidFill>
+                  <a:srgbClr val="E45ECA"/>
+                </a:solidFill>
+                <a:latin typeface="Comic Sans MS" pitchFamily="66" charset="0"/>
+                <a:sym typeface="Symbol" pitchFamily="18" charset="2"/>
+              </a:rPr>
+              <a:t> c</a:t>
+            </a:r>
+            <a:r>
+              <a:rPr lang="en-US" sz="2800" dirty="0" smtClean="0">
                 <a:solidFill>
                   <a:srgbClr val="000000"/>
                 </a:solidFill>
                 <a:latin typeface="Comic Sans MS" pitchFamily="66" charset="0"/>
-                <a:sym typeface="Euclid Symbol" pitchFamily="18" charset="2"/>
-              </a:rPr>
-              <a:t>AND</a:t>
-            </a:r>
-            <a:r>
-              <a:rPr lang="en-US" b="1" dirty="0" smtClean="0">
-                <a:solidFill>
-                  <a:srgbClr val="0000FF"/>
-                </a:solidFill>
-                <a:latin typeface="Comic Sans MS" pitchFamily="66" charset="0"/>
-                <a:sym typeface="Euclid Symbol" pitchFamily="18" charset="2"/>
+                <a:sym typeface="Symbol" pitchFamily="18" charset="2"/>
+              </a:rPr>
+              <a:t>,</a:t>
+            </a:r>
+            <a:r>
+              <a:rPr lang="en-US" sz="2800" dirty="0" smtClean="0">
+                <a:solidFill>
+                  <a:srgbClr val="E45ECA"/>
+                </a:solidFill>
+                <a:latin typeface="Comic Sans MS" pitchFamily="66" charset="0"/>
+                <a:sym typeface="Symbol" pitchFamily="18" charset="2"/>
               </a:rPr>
               <a:t> </a:t>
             </a:r>
             <a:r>
-              <a:rPr lang="en-US" sz="2800" dirty="0" err="1" smtClean="0">
-                <a:solidFill>
-                  <a:srgbClr val="0000FF"/>
-                </a:solidFill>
-                <a:latin typeface="Comic Sans MS" pitchFamily="66" charset="0"/>
-                <a:sym typeface="Symbol" pitchFamily="18" charset="2"/>
-              </a:rPr>
-              <a:t>P(</a:t>
-            </a:r>
-            <a:r>
-              <a:rPr lang="en-US" sz="2800" dirty="0" err="1" smtClean="0">
-                <a:solidFill>
-                  <a:srgbClr val="008000"/>
-                </a:solidFill>
-                <a:latin typeface="Comic Sans MS" pitchFamily="66" charset="0"/>
-                <a:sym typeface="Symbol" pitchFamily="18" charset="2"/>
-              </a:rPr>
-              <a:t>z</a:t>
-            </a:r>
-            <a:r>
               <a:rPr lang="en-US" sz="2800" dirty="0" smtClean="0">
-                <a:solidFill>
-                  <a:srgbClr val="0000FF"/>
-                </a:solidFill>
-                <a:latin typeface="Comic Sans MS" pitchFamily="66" charset="0"/>
-                <a:sym typeface="Symbol" pitchFamily="18" charset="2"/>
-              </a:rPr>
-              <a:t>) </a:t>
+                <a:latin typeface="Comic Sans MS" pitchFamily="66" charset="0"/>
+                <a:sym typeface="Symbol" pitchFamily="18" charset="2"/>
+              </a:rPr>
+              <a:t>an </a:t>
+            </a:r>
+            <a:r>
+              <a:rPr lang="en-US" sz="2800" dirty="0">
+                <a:latin typeface="Comic Sans MS" pitchFamily="66" charset="0"/>
+                <a:sym typeface="Symbol" pitchFamily="18" charset="2"/>
+              </a:rPr>
+              <a:t>element</a:t>
             </a:r>
             <a:r>
               <a:rPr lang="en-US" sz="2800" dirty="0" smtClean="0">
                 <a:latin typeface="Comic Sans MS" pitchFamily="66" charset="0"/>
                 <a:sym typeface="Symbol" pitchFamily="18" charset="2"/>
               </a:rPr>
-              <a:t>holds </a:t>
-            </a:r>
-            <a:r>
-              <a:rPr lang="en-US" sz="2800" dirty="0">
-                <a:latin typeface="Comic Sans MS" pitchFamily="66" charset="0"/>
-                <a:sym typeface="Symbol" pitchFamily="18" charset="2"/>
-              </a:rPr>
-              <a:t>for</a:t>
+              <a:t> in the </a:t>
             </a:r>
             <a:r>
               <a:rPr lang="en-US" sz="2800" dirty="0" smtClean="0">
                 <a:latin typeface="Comic Sans MS" pitchFamily="66" charset="0"/>
                 <a:sym typeface="Symbol" pitchFamily="18" charset="2"/>
               </a:rPr>
-              <a:t> when </a:t>
-            </a:r>
-            <a:r>
-              <a:rPr lang="en-US" sz="2800" dirty="0" err="1" smtClean="0">
-                <a:latin typeface="Comic Sans MS" pitchFamily="66" charset="0"/>
-                <a:sym typeface="Symbol" pitchFamily="18" charset="2"/>
-              </a:rPr>
-              <a:t>val(</a:t>
-            </a:r>
-            <a:r>
-              <a:rPr lang="en-US" sz="2800" dirty="0" err="1" smtClean="0">
-                <a:solidFill>
-                  <a:srgbClr val="008000"/>
-                </a:solidFill>
-                <a:latin typeface="Comic Sans MS" pitchFamily="66" charset="0"/>
-                <a:sym typeface="Symbol" pitchFamily="18" charset="2"/>
-              </a:rPr>
-              <a:t>z</a:t>
+              <a:t>domain. </a:t>
             </a:r>
             <a:r>
               <a:rPr lang="en-US" sz="2800" dirty="0" smtClean="0">
-                <a:solidFill>
-                  <a:schemeClr val="tx2"/>
-                </a:solidFill>
-                <a:latin typeface="Comic Sans MS" pitchFamily="66" charset="0"/>
-                <a:sym typeface="Symbol" pitchFamily="18" charset="2"/>
-              </a:rPr>
-              <a:t>)</a:t>
-            </a:r>
-            <a:r>
-              <a:rPr lang="en-US" sz="2800" dirty="0" smtClean="0">
-                <a:solidFill>
-                  <a:srgbClr val="0000FF"/>
-                </a:solidFill>
-                <a:latin typeface="Comic Sans MS" pitchFamily="66" charset="0"/>
-                <a:sym typeface="Symbol" pitchFamily="18" charset="2"/>
-              </a:rPr>
-              <a:t> </a:t>
-            </a:r>
-            <a:r>
-              <a:rPr lang="en-US" sz="2800" dirty="0" smtClean="0">
-                <a:latin typeface="Comic Sans MS" pitchFamily="66" charset="0"/>
-                <a:sym typeface="Symbol" pitchFamily="18" charset="2"/>
-              </a:rPr>
-              <a:t>in </a:t>
-            </a:r>
-            <a:r>
-              <a:rPr lang="en-US" sz="2800" dirty="0">
-                <a:latin typeface="Comic Sans MS" pitchFamily="66" charset="0"/>
-                <a:sym typeface="Symbol" pitchFamily="18" charset="2"/>
-              </a:rPr>
-              <a:t>the domain.</a:t>
+                <a:latin typeface="Comic Sans MS" pitchFamily="66" charset="0"/>
+              </a:rPr>
+              <a:t>Then </a:t>
             </a:r>
           </a:p>
           <a:p>
@@ -4741,11 +4862,22 @@
               </a:spcAft>
             </a:pPr>
             <a:r>
+              <a:rPr lang="en-US" sz="2800" dirty="0" smtClean="0">
+                <a:solidFill>
+                  <a:srgbClr val="0000FF"/>
+                </a:solidFill>
+                <a:latin typeface="Comic Sans MS" pitchFamily="66" charset="0"/>
+              </a:rPr>
+              <a:t>Q</a:t>
+            </a:r>
+            <a:r>
               <a:rPr lang="en-US" sz="2800" dirty="0">
-                <a:latin typeface="Comic Sans MS" pitchFamily="66" charset="0"/>
-                <a:sym typeface="Symbol" pitchFamily="18" charset="2"/>
-              </a:rPr>
-              <a:t>Now let</a:t>
+                <a:solidFill>
+                  <a:srgbClr val="0000FF"/>
+                </a:solidFill>
+                <a:latin typeface="Comic Sans MS" pitchFamily="66" charset="0"/>
+              </a:rPr>
+              <a:t>(</a:t>
             </a:r>
             <a:r>
               <a:rPr lang="en-US" sz="2800" dirty="0">
@@ -4753,35 +4885,92 @@
                   <a:srgbClr val="E45ECA"/>
                 </a:solidFill>
                 <a:latin typeface="Comic Sans MS" pitchFamily="66" charset="0"/>
-                <a:sym typeface="Symbol" pitchFamily="18" charset="2"/>
-              </a:rPr>
-              <a:t> c</a:t>
+              </a:rPr>
+              <a:t>c</a:t>
+            </a:r>
+            <a:r>
+              <a:rPr lang="en-US" sz="2800" dirty="0" smtClean="0">
+                <a:solidFill>
+                  <a:srgbClr val="0000FF"/>
+                </a:solidFill>
+                <a:latin typeface="Comic Sans MS" pitchFamily="66" charset="0"/>
+              </a:rPr>
+              <a:t>) </a:t>
+            </a:r>
+            <a:r>
+              <a:rPr lang="en-US" b="1" dirty="0" smtClean="0">
+                <a:solidFill>
+                  <a:srgbClr val="000000"/>
+                </a:solidFill>
+                <a:latin typeface="Comic Sans MS" pitchFamily="66" charset="0"/>
+                <a:sym typeface="Euclid Symbol" pitchFamily="18" charset="2"/>
+              </a:rPr>
+              <a:t>AND</a:t>
+            </a:r>
+            <a:r>
+              <a:rPr lang="en-US" b="1" dirty="0" smtClean="0">
+                <a:solidFill>
+                  <a:srgbClr val="0000FF"/>
+                </a:solidFill>
+                <a:latin typeface="Comic Sans MS" pitchFamily="66" charset="0"/>
+                <a:sym typeface="Euclid Symbol" pitchFamily="18" charset="2"/>
+              </a:rPr>
+              <a:t> </a:t>
+            </a:r>
+            <a:r>
+              <a:rPr lang="en-US" sz="2800" dirty="0" smtClean="0">
+                <a:solidFill>
+                  <a:srgbClr val="0000FF"/>
+                </a:solidFill>
+                <a:latin typeface="Comic Sans MS" pitchFamily="66" charset="0"/>
+                <a:sym typeface="Symbol" pitchFamily="18" charset="2"/>
+              </a:rPr>
+              <a:t>P</a:t>
             </a:r>
             <a:r>
               <a:rPr lang="en-US" sz="2800" dirty="0">
-                <a:latin typeface="Comic Sans MS" pitchFamily="66" charset="0"/>
-                <a:sym typeface="Symbol" pitchFamily="18" charset="2"/>
-              </a:rPr>
-              <a:t> be some domain element. </a:t>
+                <a:solidFill>
+                  <a:srgbClr val="0000FF"/>
+                </a:solidFill>
+                <a:latin typeface="Comic Sans MS" pitchFamily="66" charset="0"/>
+                <a:sym typeface="Symbol" pitchFamily="18" charset="2"/>
+              </a:rPr>
+              <a:t>(</a:t>
+            </a:r>
+            <a:r>
+              <a:rPr lang="en-US" sz="2800" dirty="0">
+                <a:solidFill>
+                  <a:srgbClr val="E45ECA"/>
+                </a:solidFill>
+                <a:latin typeface="Comic Sans MS" pitchFamily="66" charset="0"/>
+                <a:sym typeface="Symbol" pitchFamily="18" charset="2"/>
+              </a:rPr>
+              <a:t>c</a:t>
+            </a:r>
+            <a:r>
+              <a:rPr lang="en-US" sz="2800" dirty="0">
+                <a:solidFill>
+                  <a:srgbClr val="0000FF"/>
+                </a:solidFill>
+                <a:latin typeface="Comic Sans MS" pitchFamily="66" charset="0"/>
+                <a:sym typeface="Symbol" pitchFamily="18" charset="2"/>
+              </a:rPr>
+              <a:t>)</a:t>
+            </a:r>
+            <a:r>
+              <a:rPr lang="en-US" sz="2800" dirty="0">
+                <a:latin typeface="Comic Sans MS" pitchFamily="66" charset="0"/>
+              </a:rPr>
+              <a:t> holds, and </a:t>
             </a:r>
             <a:r>
               <a:rPr lang="en-US" sz="2800" dirty="0" smtClean="0">
                 <a:latin typeface="Comic Sans MS" pitchFamily="66" charset="0"/>
               </a:rPr>
-              <a:t> Then</a:t>
-            </a:r>
-            <a:endParaRPr lang="en-US" sz="2800" dirty="0">
-              <a:latin typeface="Comic Sans MS" pitchFamily="66" charset="0"/>
-            </a:endParaRPr>
-          </a:p>
-          <a:p>
-            <a:pPr>
-              <a:spcAft>
-                <a:spcPts val="600"/>
-              </a:spcAft>
-            </a:pPr>
-            <a:r>
-              <a:rPr lang="en-US" sz="2800" dirty="0" err="1">
+              <a:t>so </a:t>
+            </a:r>
+            <a:r>
+              <a:rPr lang="en-US" sz="2800" dirty="0">
                 <a:solidFill>
                   <a:srgbClr val="0000FF"/>
                 </a:solidFill>
@@ -4790,106 +4979,7 @@
               <a:t>Q(</a:t>
             </a:r>
             <a:r>
-              <a:rPr lang="en-US" sz="2800" dirty="0" err="1">
-                <a:solidFill>
-                  <a:srgbClr val="E45ECA"/>
-                </a:solidFill>
-                <a:latin typeface="Comic Sans MS" pitchFamily="66" charset="0"/>
-              </a:rPr>
-              <a:t>c</a:t>
-            </a:r>
-            <a:r>
-              <a:rPr lang="en-US" sz="2800" dirty="0" smtClean="0">
-                <a:solidFill>
-                  <a:srgbClr val="0000FF"/>
-                </a:solidFill>
-                <a:latin typeface="Comic Sans MS" pitchFamily="66" charset="0"/>
-              </a:rPr>
-              <a:t>) </a:t>
-            </a:r>
-            <a:r>
-              <a:rPr lang="en-US" b="1" dirty="0" smtClean="0">
-                <a:solidFill>
-                  <a:srgbClr val="000000"/>
-                </a:solidFill>
-                <a:latin typeface="Comic Sans MS" pitchFamily="66" charset="0"/>
-                <a:sym typeface="Euclid Symbol" pitchFamily="18" charset="2"/>
-              </a:rPr>
-              <a:t>AND</a:t>
-            </a:r>
-            <a:r>
-              <a:rPr lang="en-US" b="1" dirty="0" smtClean="0">
-                <a:solidFill>
-                  <a:srgbClr val="0000FF"/>
-                </a:solidFill>
-                <a:latin typeface="Comic Sans MS" pitchFamily="66" charset="0"/>
-                <a:sym typeface="Euclid Symbol" pitchFamily="18" charset="2"/>
-              </a:rPr>
-              <a:t> </a:t>
-            </a:r>
-            <a:r>
-              <a:rPr lang="en-US" sz="2800" dirty="0" err="1" smtClean="0">
-                <a:solidFill>
-                  <a:srgbClr val="0000FF"/>
-                </a:solidFill>
-                <a:latin typeface="Comic Sans MS" pitchFamily="66" charset="0"/>
-                <a:sym typeface="Symbol" pitchFamily="18" charset="2"/>
-              </a:rPr>
-              <a:t>P</a:t>
-            </a:r>
-            <a:r>
-              <a:rPr lang="en-US" sz="2800" dirty="0" err="1">
-                <a:solidFill>
-                  <a:srgbClr val="0000FF"/>
-                </a:solidFill>
-                <a:latin typeface="Comic Sans MS" pitchFamily="66" charset="0"/>
-                <a:sym typeface="Symbol" pitchFamily="18" charset="2"/>
-              </a:rPr>
-              <a:t>(</a:t>
-            </a:r>
-            <a:r>
-              <a:rPr lang="en-US" sz="2800" dirty="0" err="1">
-                <a:solidFill>
-                  <a:srgbClr val="E45ECA"/>
-                </a:solidFill>
-                <a:latin typeface="Comic Sans MS" pitchFamily="66" charset="0"/>
-                <a:sym typeface="Symbol" pitchFamily="18" charset="2"/>
-              </a:rPr>
-              <a:t>c</a:t>
-            </a:r>
-            <a:r>
               <a:rPr lang="en-US" sz="2800" dirty="0">
-                <a:solidFill>
-                  <a:srgbClr val="0000FF"/>
-                </a:solidFill>
-                <a:latin typeface="Comic Sans MS" pitchFamily="66" charset="0"/>
-                <a:sym typeface="Symbol" pitchFamily="18" charset="2"/>
-              </a:rPr>
-              <a:t>)</a:t>
-            </a:r>
-            <a:r>
-              <a:rPr lang="en-US" sz="2800" dirty="0">
-                <a:latin typeface="Comic Sans MS" pitchFamily="66" charset="0"/>
-              </a:rPr>
-              <a:t> holds, and </a:t>
-            </a:r>
-            <a:r>
-              <a:rPr lang="en-US" sz="2800" dirty="0" smtClean="0">
-                <a:latin typeface="Comic Sans MS" pitchFamily="66" charset="0"/>
-              </a:rPr>
-              <a:t>so </a:t>
-            </a:r>
-            <a:r>
-              <a:rPr lang="en-US" sz="2800" dirty="0" err="1">
-                <a:solidFill>
-                  <a:srgbClr val="0000FF"/>
-                </a:solidFill>
-                <a:latin typeface="Comic Sans MS" pitchFamily="66" charset="0"/>
-              </a:rPr>
-              <a:t>Q(</a:t>
-            </a:r>
-            <a:r>
-              <a:rPr lang="en-US" sz="2800" dirty="0" err="1">
                 <a:solidFill>
                   <a:srgbClr val="E45ECA"/>
                 </a:solidFill>
@@ -5263,7 +5353,7 @@
           <a:graphicData uri="http://schemas.openxmlformats.org/presentationml/2006/ole">
             <mc:AlternateContent xmlns:mc="http://schemas.openxmlformats.org/markup-compatibility/2006">
               <mc:Choice xmlns:v="urn:schemas-microsoft-com:vml" Requires="v">
-                <p:oleObj spid="_x0000_s469033" name="Equation" r:id="rId4" imgW="914400" imgH="198720" progId="Equation.DSMT4">
+                <p:oleObj spid="_x0000_s469037" name="Equation" r:id="rId4" imgW="914400" imgH="198720" progId="Equation.DSMT4">
                   <p:embed/>
                 </p:oleObj>
               </mc:Choice>
@@ -5327,8 +5417,8 @@
         </p:nvSpPr>
         <p:spPr bwMode="auto">
           <a:xfrm>
-            <a:off x="306870" y="1418414"/>
-            <a:ext cx="8648249" cy="646331"/>
+            <a:off x="465610" y="1357942"/>
+            <a:ext cx="8174740" cy="646331"/>
           </a:xfrm>
           <a:prstGeom prst="rect">
             <a:avLst/>
@@ -5704,7 +5794,18 @@
   <p:clrMapOvr>
     <a:masterClrMapping/>
   </p:clrMapOvr>
-  <p:transition xmlns:p14="http://schemas.microsoft.com/office/powerpoint/2010/main"/>
+  <mc:AlternateContent xmlns:mc="http://schemas.openxmlformats.org/markup-compatibility/2006">
+    <mc:Choice xmlns:p14="http://schemas.microsoft.com/office/powerpoint/2010/main" Requires="p14">
+      <p:transition spd="med" p14:dur="700">
+        <p:fade/>
+      </p:transition>
+    </mc:Choice>
+    <mc:Fallback>
+      <p:transition xmlns:p14="http://schemas.microsoft.com/office/powerpoint/2010/main" spd="med">
+        <p:fade/>
+      </p:transition>
+    </mc:Fallback>
+  </mc:AlternateContent>
   <p:timing>
     <p:tnLst>
       <p:par>
@@ -5741,6 +5842,49 @@
                                         <p:tgtEl>
                                           <p:spTgt spid="56325">
                                             <p:txEl>
+                                              <p:pRg st="0" end="0"/>
+                                            </p:txEl>
+                                          </p:spTgt>
+                                        </p:tgtEl>
+                                        <p:attrNameLst>
+                                          <p:attrName>style.visibility</p:attrName>
+                                        </p:attrNameLst>
+                                      </p:cBhvr>
+                                      <p:to>
+                                        <p:strVal val="visible"/>
+                                      </p:to>
+                                    </p:set>
+                                    <p:animEffect transition="in" filter="dissolve">
+                                      <p:cBhvr>
+                                        <p:cTn id="7" dur="500"/>
+                                        <p:tgtEl>
+                                          <p:spTgt spid="56325">
+                                            <p:txEl>
+                                              <p:pRg st="0" end="0"/>
+                                            </p:txEl>
+                                          </p:spTgt>
+                                        </p:tgtEl>
+                                      </p:cBhvr>
+                                    </p:animEffect>
+                                  </p:childTnLst>
+                                </p:cTn>
+                              </p:par>
+                              <p:par>
+                                <p:cTn id="8" presetID="9" presetClass="entr" presetSubtype="0" fill="hold" nodeType="withEffect">
+                                  <p:stCondLst>
+                                    <p:cond delay="0"/>
+                                  </p:stCondLst>
+                                  <p:childTnLst>
+                                    <p:set>
+                                      <p:cBhvr>
+                                        <p:cTn id="9" dur="1" fill="hold">
+                                          <p:stCondLst>
+                                            <p:cond delay="0"/>
+                                          </p:stCondLst>
+                                        </p:cTn>
+                                        <p:tgtEl>
+                                          <p:spTgt spid="56325">
+                                            <p:txEl>
                                               <p:pRg st="1" end="1"/>
                                             </p:txEl>
                                           </p:spTgt>
@@ -5755,7 +5899,7 @@
                                     </p:set>
                                     <p:animEffect transition="in" filter="dissolve">
                                       <p:cBhvr>
-                                        <p:cTn id="7" dur="500"/>
+                                        <p:cTn id="10" dur="500"/>
                                         <p:tgtEl>
                                           <p:spTgt spid="56325">
                                             <p:txEl>
@@ -5775,26 +5919,26 @@
                     </p:cTn>
                   </p:par>
                   <p:par>
-                    <p:cTn id="8" fill="hold">
+                    <p:cTn id="11" fill="hold">
                       <p:stCondLst>
                         <p:cond delay="indefinite"/>
                       </p:stCondLst>
                       <p:childTnLst>
                         <p:par>
-                          <p:cTn id="9" fill="hold">
+                          <p:cTn id="12" fill="hold">
                             <p:stCondLst>
                               <p:cond delay="0"/>
                             </p:stCondLst>
                             <p:childTnLst>
                               <p:par>
-                                <p:cTn id="10" presetID="9" presetClass="entr" presetSubtype="0" fill="hold" nodeType="clickEffect">
+                                <p:cTn id="13" presetID="9" presetClass="entr" presetSubtype="0" fill="hold" nodeType="clickEffect">
                                   <p:stCondLst>
                                     <p:cond delay="0"/>
                                   </p:stCondLst>
                                   <p:childTnLst>
                                     <p:set>
                                       <p:cBhvr>
-                                        <p:cTn id="11" dur="1" fill="hold">
+                                        <p:cTn id="14" dur="1" fill="hold">
                                           <p:stCondLst>
                                             <p:cond delay="0"/>
                                           </p:stCondLst>
@@ -5816,7 +5960,7 @@
                                     </p:set>
                                     <p:animEffect transition="in" filter="dissolve">
                                       <p:cBhvr>
-                                        <p:cTn id="12" dur="500"/>
+                                        <p:cTn id="15" dur="500"/>
                                         <p:tgtEl>
                                           <p:spTgt spid="56325">
                                             <p:txEl>
@@ -5836,26 +5980,26 @@
                     </p:cTn>
                   </p:par>
                   <p:par>
-                    <p:cTn id="13" fill="hold">
+                    <p:cTn id="16" fill="hold">
                       <p:stCondLst>
                         <p:cond delay="indefinite"/>
                       </p:stCondLst>
                       <p:childTnLst>
                         <p:par>
-                          <p:cTn id="14" fill="hold">
+                          <p:cTn id="17" fill="hold">
                             <p:stCondLst>
                               <p:cond delay="0"/>
                             </p:stCondLst>
                             <p:childTnLst>
                               <p:par>
-                                <p:cTn id="15" presetID="9" presetClass="entr" presetSubtype="0" fill="hold" nodeType="clickEffect">
+                                <p:cTn id="18" presetID="9" presetClass="entr" presetSubtype="0" fill="hold" nodeType="clickEffect">
                                   <p:stCondLst>
                                     <p:cond delay="0"/>
                                   </p:stCondLst>
                                   <p:childTnLst>
                                     <p:set>
                                       <p:cBhvr>
-                                        <p:cTn id="16" dur="1" fill="hold">
+                                        <p:cTn id="19" dur="1" fill="hold">
                                           <p:stCondLst>
                                             <p:cond delay="0"/>
                                           </p:stCondLst>
@@ -5877,7 +6021,7 @@
                                     </p:set>
                                     <p:animEffect transition="in" filter="dissolve">
                                       <p:cBhvr>
-                                        <p:cTn id="17" dur="500"/>
+                                        <p:cTn id="20" dur="500"/>
                                         <p:tgtEl>
                                           <p:spTgt spid="56325">
                                             <p:txEl>
@@ -5897,26 +6041,26 @@
                     </p:cTn>
                   </p:par>
                   <p:par>
-                    <p:cTn id="18" fill="hold">
+                    <p:cTn id="21" fill="hold">
                       <p:stCondLst>
                         <p:cond delay="indefinite"/>
                       </p:stCondLst>
                       <p:childTnLst>
                         <p:par>
-                          <p:cTn id="19" fill="hold">
+                          <p:cTn id="22" fill="hold">
                             <p:stCondLst>
                               <p:cond delay="0"/>
                             </p:stCondLst>
                             <p:childTnLst>
                               <p:par>
-                                <p:cTn id="20" presetID="9" presetClass="entr" presetSubtype="0" fill="hold" nodeType="clickEffect">
+                                <p:cTn id="23" presetID="9" presetClass="entr" presetSubtype="0" fill="hold" nodeType="clickEffect">
                                   <p:stCondLst>
                                     <p:cond delay="0"/>
                                   </p:stCondLst>
                                   <p:childTnLst>
                                     <p:set>
                                       <p:cBhvr>
-                                        <p:cTn id="21" dur="1" fill="hold">
+                                        <p:cTn id="24" dur="1" fill="hold">
                                           <p:stCondLst>
                                             <p:cond delay="0"/>
                                           </p:stCondLst>
@@ -5938,7 +6082,7 @@
                                     </p:set>
                                     <p:animEffect transition="in" filter="dissolve">
                                       <p:cBhvr>
-                                        <p:cTn id="22" dur="500"/>
+                                        <p:cTn id="25" dur="500"/>
                                         <p:tgtEl>
                                           <p:spTgt spid="56325">
                                             <p:txEl>
@@ -5958,26 +6102,26 @@
                     </p:cTn>
                   </p:par>
                   <p:par>
-                    <p:cTn id="23" fill="hold">
+                    <p:cTn id="26" fill="hold">
                       <p:stCondLst>
                         <p:cond delay="indefinite"/>
                       </p:stCondLst>
                       <p:childTnLst>
                         <p:par>
-                          <p:cTn id="24" fill="hold">
+                          <p:cTn id="27" fill="hold">
                             <p:stCondLst>
                               <p:cond delay="0"/>
                             </p:stCondLst>
                             <p:childTnLst>
                               <p:par>
-                                <p:cTn id="25" presetID="9" presetClass="entr" presetSubtype="0" fill="hold" nodeType="clickEffect">
+                                <p:cTn id="28" presetID="9" presetClass="entr" presetSubtype="0" fill="hold" nodeType="clickEffect">
                                   <p:stCondLst>
                                     <p:cond delay="0"/>
                                   </p:stCondLst>
                                   <p:childTnLst>
                                     <p:set>
                                       <p:cBhvr>
-                                        <p:cTn id="26" dur="1" fill="hold">
+                                        <p:cTn id="29" dur="1" fill="hold">
                                           <p:stCondLst>
                                             <p:cond delay="0"/>
                                           </p:stCondLst>
@@ -5999,7 +6143,7 @@
                                     </p:set>
                                     <p:animEffect transition="in" filter="dissolve">
                                       <p:cBhvr>
-                                        <p:cTn id="27" dur="500"/>
+                                        <p:cTn id="30" dur="500"/>
                                         <p:tgtEl>
                                           <p:spTgt spid="56325">
                                             <p:txEl>
@@ -6019,26 +6163,26 @@
                     </p:cTn>
                   </p:par>
                   <p:par>
-                    <p:cTn id="28" fill="hold">
+                    <p:cTn id="31" fill="hold">
                       <p:stCondLst>
                         <p:cond delay="indefinite"/>
                       </p:stCondLst>
                       <p:childTnLst>
                         <p:par>
-                          <p:cTn id="29" fill="hold">
+                          <p:cTn id="32" fill="hold">
                             <p:stCondLst>
                               <p:cond delay="0"/>
                             </p:stCondLst>
                             <p:childTnLst>
                               <p:par>
-                                <p:cTn id="30" presetID="15" presetClass="entr" presetSubtype="0" fill="hold" grpId="0" nodeType="clickEffect">
+                                <p:cTn id="33" presetID="15" presetClass="entr" presetSubtype="0" fill="hold" grpId="0" nodeType="clickEffect">
                                   <p:stCondLst>
                                     <p:cond delay="0"/>
                                   </p:stCondLst>
                                   <p:childTnLst>
                                     <p:set>
                                       <p:cBhvr>
-                                        <p:cTn id="31" dur="1" fill="hold">
+                                        <p:cTn id="34" dur="1" fill="hold">
                                           <p:stCondLst>
                                             <p:cond delay="0"/>
                                           </p:stCondLst>
@@ -6056,7 +6200,7 @@
                                     </p:set>
                                     <p:anim calcmode="lin" valueType="num">
                                       <p:cBhvr>
-                                        <p:cTn id="32" dur="1000" fill="hold"/>
+                                        <p:cTn id="35" dur="1000" fill="hold"/>
                                         <p:tgtEl>
                                           <p:spTgt spid="56327"/>
                                         </p:tgtEl>
@@ -6079,7 +6223,7 @@
                                     </p:anim>
                                     <p:anim calcmode="lin" valueType="num">
                                       <p:cBhvr>
-                                        <p:cTn id="33" dur="1000" fill="hold"/>
+                                        <p:cTn id="36" dur="1000" fill="hold"/>
                                         <p:tgtEl>
                                           <p:spTgt spid="56327"/>
                                         </p:tgtEl>
@@ -6102,7 +6246,7 @@
                                     </p:anim>
                                     <p:anim calcmode="lin" valueType="num">
                                       <p:cBhvr>
-                                        <p:cTn id="34" dur="1000" fill="hold"/>
+                                        <p:cTn id="37" dur="1000" fill="hold"/>
                                         <p:tgtEl>
                                           <p:spTgt spid="56327"/>
                                         </p:tgtEl>
@@ -6125,7 +6269,7 @@
                                     </p:anim>
                                     <p:anim calcmode="lin" valueType="num">
                                       <p:cBhvr>
-                                        <p:cTn id="35" dur="1000" fill="hold"/>
+                                        <p:cTn id="38" dur="1000" fill="hold"/>
                                         <p:tgtEl>
                                           <p:spTgt spid="56327"/>
                                         </p:tgtEl>
@@ -6156,26 +6300,26 @@
                     </p:cTn>
                   </p:par>
                   <p:par>
-                    <p:cTn id="36" fill="hold">
+                    <p:cTn id="39" fill="hold">
                       <p:stCondLst>
                         <p:cond delay="indefinite"/>
                       </p:stCondLst>
                       <p:childTnLst>
                         <p:par>
-                          <p:cTn id="37" fill="hold">
+                          <p:cTn id="40" fill="hold">
                             <p:stCondLst>
                               <p:cond delay="0"/>
                             </p:stCondLst>
                             <p:childTnLst>
                               <p:par>
-                                <p:cTn id="38" presetID="9" presetClass="entr" presetSubtype="0" fill="hold" nodeType="clickEffect">
+                                <p:cTn id="41" presetID="9" presetClass="entr" presetSubtype="0" fill="hold" nodeType="clickEffect">
                                   <p:stCondLst>
                                     <p:cond delay="0"/>
                                   </p:stCondLst>
                                   <p:childTnLst>
                                     <p:set>
                                       <p:cBhvr>
-                                        <p:cTn id="39" dur="1" fill="hold">
+                                        <p:cTn id="42" dur="1" fill="hold">
                                           <p:stCondLst>
                                             <p:cond delay="0"/>
                                           </p:stCondLst>
@@ -6197,7 +6341,7 @@
                                     </p:set>
                                     <p:animEffect transition="in" filter="dissolve">
                                       <p:cBhvr>
-                                        <p:cTn id="40" dur="500"/>
+                                        <p:cTn id="43" dur="500"/>
                                         <p:tgtEl>
                                           <p:spTgt spid="56325">
                                             <p:txEl>
@@ -6211,14 +6355,14 @@
                                 </p:cTn>
                               </p:par>
                               <p:par>
-                                <p:cTn id="41" presetID="9" presetClass="entr" presetSubtype="0" fill="hold" nodeType="withEffect">
+                                <p:cTn id="44" presetID="9" presetClass="entr" presetSubtype="0" fill="hold" nodeType="withEffect">
                                   <p:stCondLst>
                                     <p:cond delay="0"/>
                                   </p:stCondLst>
                                   <p:childTnLst>
                                     <p:set>
                                       <p:cBhvr>
-                                        <p:cTn id="42" dur="1" fill="hold">
+                                        <p:cTn id="45" dur="1" fill="hold">
                                           <p:stCondLst>
                                             <p:cond delay="0"/>
                                           </p:stCondLst>
@@ -6240,7 +6384,7 @@
                                     </p:set>
                                     <p:animEffect transition="in" filter="dissolve">
                                       <p:cBhvr>
-                                        <p:cTn id="43" dur="500"/>
+                                        <p:cTn id="46" dur="500"/>
                                         <p:tgtEl>
                                           <p:spTgt spid="56325">
                                             <p:txEl>
@@ -6511,7 +6655,7 @@
           <a:graphicData uri="http://schemas.openxmlformats.org/presentationml/2006/ole">
             <mc:AlternateContent xmlns:mc="http://schemas.openxmlformats.org/markup-compatibility/2006">
               <mc:Choice xmlns:v="urn:schemas-microsoft-com:vml" Requires="v">
-                <p:oleObj spid="_x0000_s563245" name="Equation" r:id="rId4" imgW="596900" imgH="520700" progId="Equation.DSMT4">
+                <p:oleObj spid="_x0000_s563248" name="Equation" r:id="rId4" imgW="596900" imgH="520700" progId="Equation.DSMT4">
                   <p:embed/>
                 </p:oleObj>
               </mc:Choice>
@@ -7078,7 +7222,7 @@
           <a:graphicData uri="http://schemas.openxmlformats.org/presentationml/2006/ole">
             <mc:AlternateContent xmlns:mc="http://schemas.openxmlformats.org/markup-compatibility/2006">
               <mc:Choice xmlns:v="urn:schemas-microsoft-com:vml" Requires="v">
-                <p:oleObj spid="_x0000_s480325" name="Equation" r:id="rId4" imgW="914400" imgH="198720" progId="Equation.DSMT4">
+                <p:oleObj spid="_x0000_s480330" name="Equation" r:id="rId4" imgW="914400" imgH="198720" progId="Equation.DSMT4">
                   <p:embed/>
                 </p:oleObj>
               </mc:Choice>
@@ -7278,7 +7422,7 @@
           <a:graphicData uri="http://schemas.openxmlformats.org/presentationml/2006/ole">
             <mc:AlternateContent xmlns:mc="http://schemas.openxmlformats.org/markup-compatibility/2006">
               <mc:Choice xmlns:v="urn:schemas-microsoft-com:vml" Requires="v">
-                <p:oleObj spid="_x0000_s480326" name="Equation" r:id="rId6" imgW="1968500" imgH="457200" progId="Equation.DSMT4">
+                <p:oleObj spid="_x0000_s480331" name="Equation" r:id="rId6" imgW="1968500" imgH="457200" progId="Equation.DSMT4">
                   <p:embed/>
                 </p:oleObj>
               </mc:Choice>
